--- a/20-statefull and stateless/Statefull.pptx
+++ b/20-statefull and stateless/Statefull.pptx
@@ -250,7 +250,7 @@
           <a:p>
             <a:fld id="{981537E1-7AA7-47AC-B885-1DF6B4C86F00}" type="datetimeFigureOut">
               <a:rPr lang="en-SG" smtClean="0"/>
-              <a:t>22/10/2018</a:t>
+              <a:t>24/10/2018</a:t>
             </a:fld>
             <a:endParaRPr lang="en-SG"/>
           </a:p>
@@ -420,7 +420,7 @@
           <a:p>
             <a:fld id="{981537E1-7AA7-47AC-B885-1DF6B4C86F00}" type="datetimeFigureOut">
               <a:rPr lang="en-SG" smtClean="0"/>
-              <a:t>22/10/2018</a:t>
+              <a:t>24/10/2018</a:t>
             </a:fld>
             <a:endParaRPr lang="en-SG"/>
           </a:p>
@@ -600,7 +600,7 @@
           <a:p>
             <a:fld id="{981537E1-7AA7-47AC-B885-1DF6B4C86F00}" type="datetimeFigureOut">
               <a:rPr lang="en-SG" smtClean="0"/>
-              <a:t>22/10/2018</a:t>
+              <a:t>24/10/2018</a:t>
             </a:fld>
             <a:endParaRPr lang="en-SG"/>
           </a:p>
@@ -770,7 +770,7 @@
           <a:p>
             <a:fld id="{981537E1-7AA7-47AC-B885-1DF6B4C86F00}" type="datetimeFigureOut">
               <a:rPr lang="en-SG" smtClean="0"/>
-              <a:t>22/10/2018</a:t>
+              <a:t>24/10/2018</a:t>
             </a:fld>
             <a:endParaRPr lang="en-SG"/>
           </a:p>
@@ -1016,7 +1016,7 @@
           <a:p>
             <a:fld id="{981537E1-7AA7-47AC-B885-1DF6B4C86F00}" type="datetimeFigureOut">
               <a:rPr lang="en-SG" smtClean="0"/>
-              <a:t>22/10/2018</a:t>
+              <a:t>24/10/2018</a:t>
             </a:fld>
             <a:endParaRPr lang="en-SG"/>
           </a:p>
@@ -1248,7 +1248,7 @@
           <a:p>
             <a:fld id="{981537E1-7AA7-47AC-B885-1DF6B4C86F00}" type="datetimeFigureOut">
               <a:rPr lang="en-SG" smtClean="0"/>
-              <a:t>22/10/2018</a:t>
+              <a:t>24/10/2018</a:t>
             </a:fld>
             <a:endParaRPr lang="en-SG"/>
           </a:p>
@@ -1615,7 +1615,7 @@
           <a:p>
             <a:fld id="{981537E1-7AA7-47AC-B885-1DF6B4C86F00}" type="datetimeFigureOut">
               <a:rPr lang="en-SG" smtClean="0"/>
-              <a:t>22/10/2018</a:t>
+              <a:t>24/10/2018</a:t>
             </a:fld>
             <a:endParaRPr lang="en-SG"/>
           </a:p>
@@ -1733,7 +1733,7 @@
           <a:p>
             <a:fld id="{981537E1-7AA7-47AC-B885-1DF6B4C86F00}" type="datetimeFigureOut">
               <a:rPr lang="en-SG" smtClean="0"/>
-              <a:t>22/10/2018</a:t>
+              <a:t>24/10/2018</a:t>
             </a:fld>
             <a:endParaRPr lang="en-SG"/>
           </a:p>
@@ -1828,7 +1828,7 @@
           <a:p>
             <a:fld id="{981537E1-7AA7-47AC-B885-1DF6B4C86F00}" type="datetimeFigureOut">
               <a:rPr lang="en-SG" smtClean="0"/>
-              <a:t>22/10/2018</a:t>
+              <a:t>24/10/2018</a:t>
             </a:fld>
             <a:endParaRPr lang="en-SG"/>
           </a:p>
@@ -2105,7 +2105,7 @@
           <a:p>
             <a:fld id="{981537E1-7AA7-47AC-B885-1DF6B4C86F00}" type="datetimeFigureOut">
               <a:rPr lang="en-SG" smtClean="0"/>
-              <a:t>22/10/2018</a:t>
+              <a:t>24/10/2018</a:t>
             </a:fld>
             <a:endParaRPr lang="en-SG"/>
           </a:p>
@@ -2358,7 +2358,7 @@
           <a:p>
             <a:fld id="{981537E1-7AA7-47AC-B885-1DF6B4C86F00}" type="datetimeFigureOut">
               <a:rPr lang="en-SG" smtClean="0"/>
-              <a:t>22/10/2018</a:t>
+              <a:t>24/10/2018</a:t>
             </a:fld>
             <a:endParaRPr lang="en-SG"/>
           </a:p>
@@ -2571,7 +2571,7 @@
           <a:p>
             <a:fld id="{981537E1-7AA7-47AC-B885-1DF6B4C86F00}" type="datetimeFigureOut">
               <a:rPr lang="en-SG" smtClean="0"/>
-              <a:t>22/10/2018</a:t>
+              <a:t>24/10/2018</a:t>
             </a:fld>
             <a:endParaRPr lang="en-SG"/>
           </a:p>
@@ -2992,8 +2992,8 @@
         </p:blipFill>
         <p:spPr>
           <a:xfrm>
-            <a:off x="167452" y="482382"/>
-            <a:ext cx="5976173" cy="5092045"/>
+            <a:off x="119827" y="972951"/>
+            <a:ext cx="5976173" cy="4475017"/>
           </a:xfrm>
           <a:prstGeom prst="rect">
             <a:avLst/>
@@ -3016,8 +3016,8 @@
         </p:blipFill>
         <p:spPr>
           <a:xfrm>
-            <a:off x="6143625" y="1138227"/>
-            <a:ext cx="6048375" cy="4105275"/>
+            <a:off x="5914416" y="1191491"/>
+            <a:ext cx="6481865" cy="4475017"/>
           </a:xfrm>
           <a:prstGeom prst="rect">
             <a:avLst/>
@@ -3359,7 +3359,7 @@
         </p:spPr>
         <p:txBody>
           <a:bodyPr>
-            <a:normAutofit/>
+            <a:normAutofit lnSpcReduction="10000"/>
           </a:bodyPr>
           <a:lstStyle/>
           <a:p>
@@ -3371,21 +3371,37 @@
           <a:p>
             <a:r>
               <a:rPr lang="en-US" dirty="0"/>
-              <a:t> Considering o Original “HTTP” protocol is “stateless” o </a:t>
-            </a:r>
-            <a:r>
-              <a:rPr lang="en-US" dirty="0" err="1"/>
-              <a:t>Stateful</a:t>
-            </a:r>
+              <a:t> Considering  Original “HTTP” protocol is “stateless” </a:t>
+            </a:r>
+          </a:p>
+          <a:p>
             <a:r>
               <a:rPr lang="en-US" dirty="0"/>
-              <a:t> application need to keep session by web/app server and keep “cookies” on client for pass authentication o Work on memory for keep session (Fast/Easy but consume resource) o Many problem with native mobile app/Centralize Problem o Scale will effect for consideration traffic redirect to correct server (Keep state)</a:t>
+              <a:t> Stateful application need to keep session by web/app server and keep “cookies” on client for pass authentication</a:t>
             </a:r>
           </a:p>
           <a:p>
             <a:r>
               <a:rPr lang="en-US" dirty="0"/>
-              <a:t> Awareness o Container is naturally design for “stateless” application o All load-balance/dispatch job is not aware about “state” of application inside</a:t>
+              <a:t> Work on memory for keep session (Fast/Easy but consume resource)  Many problem with native mobile app/Centralize Problem </a:t>
+            </a:r>
+          </a:p>
+          <a:p>
+            <a:r>
+              <a:rPr lang="en-US" dirty="0"/>
+              <a:t> Scale will effect for consideration traffic redirect to correct server (Keep state)</a:t>
+            </a:r>
+          </a:p>
+          <a:p>
+            <a:r>
+              <a:rPr lang="en-US" dirty="0"/>
+              <a:t> Awareness o Container is naturally design for “stateless” application </a:t>
+            </a:r>
+          </a:p>
+          <a:p>
+            <a:r>
+              <a:rPr lang="en-US" dirty="0"/>
+              <a:t> All load-balance/dispatch job is not aware about “state” of application inside</a:t>
             </a:r>
             <a:endParaRPr lang="en-SG" dirty="0"/>
           </a:p>

--- a/20-statefull and stateless/Statefull.pptx
+++ b/20-statefull and stateless/Statefull.pptx
@@ -3016,8 +3016,8 @@
         </p:blipFill>
         <p:spPr>
           <a:xfrm>
-            <a:off x="5914416" y="1191491"/>
-            <a:ext cx="6481865" cy="4475017"/>
+            <a:off x="5914417" y="1410032"/>
+            <a:ext cx="6165318" cy="4256476"/>
           </a:xfrm>
           <a:prstGeom prst="rect">
             <a:avLst/>
